--- a/DS4/supply_curves.pptx
+++ b/DS4/supply_curves.pptx
@@ -104,6 +104,11 @@
       </a:defRPr>
     </a:lvl9pPr>
   </p:defaultTextStyle>
+  <p:extLst>
+    <p:ext uri="{EFAFB233-063F-42B5-8137-9DF3F51BA10A}">
+      <p15:sldGuideLst xmlns:p15="http://schemas.microsoft.com/office/powerpoint/2012/main"/>
+    </p:ext>
+  </p:extLst>
 </p:presentation>
 </file>
 
@@ -254,7 +259,7 @@
           <a:p>
             <a:fld id="{6BEC0D8F-8F8F-475A-AE7C-107386BB246D}" type="datetimeFigureOut">
               <a:rPr lang="en-US" smtClean="0"/>
-              <a:t>9/25/2025</a:t>
+              <a:t>2/26/2026</a:t>
             </a:fld>
             <a:endParaRPr lang="en-US"/>
           </a:p>
@@ -452,7 +457,7 @@
           <a:p>
             <a:fld id="{6BEC0D8F-8F8F-475A-AE7C-107386BB246D}" type="datetimeFigureOut">
               <a:rPr lang="en-US" smtClean="0"/>
-              <a:t>9/25/2025</a:t>
+              <a:t>2/26/2026</a:t>
             </a:fld>
             <a:endParaRPr lang="en-US"/>
           </a:p>
@@ -660,7 +665,7 @@
           <a:p>
             <a:fld id="{6BEC0D8F-8F8F-475A-AE7C-107386BB246D}" type="datetimeFigureOut">
               <a:rPr lang="en-US" smtClean="0"/>
-              <a:t>9/25/2025</a:t>
+              <a:t>2/26/2026</a:t>
             </a:fld>
             <a:endParaRPr lang="en-US"/>
           </a:p>
@@ -858,7 +863,7 @@
           <a:p>
             <a:fld id="{6BEC0D8F-8F8F-475A-AE7C-107386BB246D}" type="datetimeFigureOut">
               <a:rPr lang="en-US" smtClean="0"/>
-              <a:t>9/25/2025</a:t>
+              <a:t>2/26/2026</a:t>
             </a:fld>
             <a:endParaRPr lang="en-US"/>
           </a:p>
@@ -1133,7 +1138,7 @@
           <a:p>
             <a:fld id="{6BEC0D8F-8F8F-475A-AE7C-107386BB246D}" type="datetimeFigureOut">
               <a:rPr lang="en-US" smtClean="0"/>
-              <a:t>9/25/2025</a:t>
+              <a:t>2/26/2026</a:t>
             </a:fld>
             <a:endParaRPr lang="en-US"/>
           </a:p>
@@ -1398,7 +1403,7 @@
           <a:p>
             <a:fld id="{6BEC0D8F-8F8F-475A-AE7C-107386BB246D}" type="datetimeFigureOut">
               <a:rPr lang="en-US" smtClean="0"/>
-              <a:t>9/25/2025</a:t>
+              <a:t>2/26/2026</a:t>
             </a:fld>
             <a:endParaRPr lang="en-US"/>
           </a:p>
@@ -1810,7 +1815,7 @@
           <a:p>
             <a:fld id="{6BEC0D8F-8F8F-475A-AE7C-107386BB246D}" type="datetimeFigureOut">
               <a:rPr lang="en-US" smtClean="0"/>
-              <a:t>9/25/2025</a:t>
+              <a:t>2/26/2026</a:t>
             </a:fld>
             <a:endParaRPr lang="en-US"/>
           </a:p>
@@ -1951,7 +1956,7 @@
           <a:p>
             <a:fld id="{6BEC0D8F-8F8F-475A-AE7C-107386BB246D}" type="datetimeFigureOut">
               <a:rPr lang="en-US" smtClean="0"/>
-              <a:t>9/25/2025</a:t>
+              <a:t>2/26/2026</a:t>
             </a:fld>
             <a:endParaRPr lang="en-US"/>
           </a:p>
@@ -2064,7 +2069,7 @@
           <a:p>
             <a:fld id="{6BEC0D8F-8F8F-475A-AE7C-107386BB246D}" type="datetimeFigureOut">
               <a:rPr lang="en-US" smtClean="0"/>
-              <a:t>9/25/2025</a:t>
+              <a:t>2/26/2026</a:t>
             </a:fld>
             <a:endParaRPr lang="en-US"/>
           </a:p>
@@ -2375,7 +2380,7 @@
           <a:p>
             <a:fld id="{6BEC0D8F-8F8F-475A-AE7C-107386BB246D}" type="datetimeFigureOut">
               <a:rPr lang="en-US" smtClean="0"/>
-              <a:t>9/25/2025</a:t>
+              <a:t>2/26/2026</a:t>
             </a:fld>
             <a:endParaRPr lang="en-US"/>
           </a:p>
@@ -2663,7 +2668,7 @@
           <a:p>
             <a:fld id="{6BEC0D8F-8F8F-475A-AE7C-107386BB246D}" type="datetimeFigureOut">
               <a:rPr lang="en-US" smtClean="0"/>
-              <a:t>9/25/2025</a:t>
+              <a:t>2/26/2026</a:t>
             </a:fld>
             <a:endParaRPr lang="en-US"/>
           </a:p>
@@ -2904,7 +2909,7 @@
           <a:p>
             <a:fld id="{6BEC0D8F-8F8F-475A-AE7C-107386BB246D}" type="datetimeFigureOut">
               <a:rPr lang="en-US" smtClean="0"/>
-              <a:t>9/25/2025</a:t>
+              <a:t>2/26/2026</a:t>
             </a:fld>
             <a:endParaRPr lang="en-US"/>
           </a:p>
@@ -3321,6 +3326,92 @@
           <a:chExt cx="0" cy="0"/>
         </a:xfrm>
       </p:grpSpPr>
+      <p:cxnSp>
+        <p:nvCxnSpPr>
+          <p:cNvPr id="7" name="Straight Connector 6">
+            <a:extLst>
+              <a:ext uri="{FF2B5EF4-FFF2-40B4-BE49-F238E27FC236}">
+                <a16:creationId xmlns:a16="http://schemas.microsoft.com/office/drawing/2014/main" id="{65D0EC63-18FA-24D3-BA45-4DF80D7D41B5}"/>
+              </a:ext>
+            </a:extLst>
+          </p:cNvPr>
+          <p:cNvCxnSpPr>
+            <a:cxnSpLocks/>
+          </p:cNvCxnSpPr>
+          <p:nvPr/>
+        </p:nvCxnSpPr>
+        <p:spPr>
+          <a:xfrm flipV="1">
+            <a:off x="6903411" y="5356153"/>
+            <a:ext cx="0" cy="384009"/>
+          </a:xfrm>
+          <a:prstGeom prst="line">
+            <a:avLst/>
+          </a:prstGeom>
+          <a:ln>
+            <a:solidFill>
+              <a:srgbClr val="C00000"/>
+            </a:solidFill>
+          </a:ln>
+        </p:spPr>
+        <p:style>
+          <a:lnRef idx="2">
+            <a:schemeClr val="accent1"/>
+          </a:lnRef>
+          <a:fillRef idx="0">
+            <a:schemeClr val="accent1"/>
+          </a:fillRef>
+          <a:effectRef idx="1">
+            <a:schemeClr val="accent1"/>
+          </a:effectRef>
+          <a:fontRef idx="minor">
+            <a:schemeClr val="tx1"/>
+          </a:fontRef>
+        </p:style>
+      </p:cxnSp>
+      <p:cxnSp>
+        <p:nvCxnSpPr>
+          <p:cNvPr id="2" name="Straight Connector 1">
+            <a:extLst>
+              <a:ext uri="{FF2B5EF4-FFF2-40B4-BE49-F238E27FC236}">
+                <a16:creationId xmlns:a16="http://schemas.microsoft.com/office/drawing/2014/main" id="{4F084D8D-BE61-6859-4BF0-6020FBCA232B}"/>
+              </a:ext>
+            </a:extLst>
+          </p:cNvPr>
+          <p:cNvCxnSpPr>
+            <a:cxnSpLocks/>
+          </p:cNvCxnSpPr>
+          <p:nvPr/>
+        </p:nvCxnSpPr>
+        <p:spPr>
+          <a:xfrm flipV="1">
+            <a:off x="969837" y="5357437"/>
+            <a:ext cx="0" cy="384009"/>
+          </a:xfrm>
+          <a:prstGeom prst="line">
+            <a:avLst/>
+          </a:prstGeom>
+          <a:ln>
+            <a:solidFill>
+              <a:srgbClr val="C00000"/>
+            </a:solidFill>
+          </a:ln>
+        </p:spPr>
+        <p:style>
+          <a:lnRef idx="2">
+            <a:schemeClr val="accent1"/>
+          </a:lnRef>
+          <a:fillRef idx="0">
+            <a:schemeClr val="accent1"/>
+          </a:fillRef>
+          <a:effectRef idx="1">
+            <a:schemeClr val="accent1"/>
+          </a:effectRef>
+          <a:fontRef idx="minor">
+            <a:schemeClr val="tx1"/>
+          </a:fontRef>
+        </p:style>
+      </p:cxnSp>
       <p:sp>
         <p:nvSpPr>
           <p:cNvPr id="71" name="TextBox 70">
